--- a/기획) 가계부.pptx
+++ b/기획) 가계부.pptx
@@ -18,6 +18,8 @@
     <p:sldId id="267" r:id="rId12"/>
     <p:sldId id="272" r:id="rId13"/>
     <p:sldId id="273" r:id="rId14"/>
+    <p:sldId id="274" r:id="rId15"/>
+    <p:sldId id="275" r:id="rId16"/>
   </p:sldIdLst>
   <p:sldSz cx="12192000" cy="6858000"/>
   <p:notesSz cx="6858000" cy="9144000"/>
@@ -271,7 +273,7 @@
           <a:p>
             <a:fld id="{F16EBDC1-44BD-4276-945D-3AA4F0AEA524}" type="datetimeFigureOut">
               <a:rPr lang="ko-KR" altLang="en-US" smtClean="0"/>
-              <a:t>2022-01-29</a:t>
+              <a:t>2022-02-09</a:t>
             </a:fld>
             <a:endParaRPr lang="ko-KR" altLang="en-US"/>
           </a:p>
@@ -469,7 +471,7 @@
           <a:p>
             <a:fld id="{F16EBDC1-44BD-4276-945D-3AA4F0AEA524}" type="datetimeFigureOut">
               <a:rPr lang="ko-KR" altLang="en-US" smtClean="0"/>
-              <a:t>2022-01-29</a:t>
+              <a:t>2022-02-09</a:t>
             </a:fld>
             <a:endParaRPr lang="ko-KR" altLang="en-US"/>
           </a:p>
@@ -677,7 +679,7 @@
           <a:p>
             <a:fld id="{F16EBDC1-44BD-4276-945D-3AA4F0AEA524}" type="datetimeFigureOut">
               <a:rPr lang="ko-KR" altLang="en-US" smtClean="0"/>
-              <a:t>2022-01-29</a:t>
+              <a:t>2022-02-09</a:t>
             </a:fld>
             <a:endParaRPr lang="ko-KR" altLang="en-US"/>
           </a:p>
@@ -875,7 +877,7 @@
           <a:p>
             <a:fld id="{F16EBDC1-44BD-4276-945D-3AA4F0AEA524}" type="datetimeFigureOut">
               <a:rPr lang="ko-KR" altLang="en-US" smtClean="0"/>
-              <a:t>2022-01-29</a:t>
+              <a:t>2022-02-09</a:t>
             </a:fld>
             <a:endParaRPr lang="ko-KR" altLang="en-US"/>
           </a:p>
@@ -1150,7 +1152,7 @@
           <a:p>
             <a:fld id="{F16EBDC1-44BD-4276-945D-3AA4F0AEA524}" type="datetimeFigureOut">
               <a:rPr lang="ko-KR" altLang="en-US" smtClean="0"/>
-              <a:t>2022-01-29</a:t>
+              <a:t>2022-02-09</a:t>
             </a:fld>
             <a:endParaRPr lang="ko-KR" altLang="en-US"/>
           </a:p>
@@ -1415,7 +1417,7 @@
           <a:p>
             <a:fld id="{F16EBDC1-44BD-4276-945D-3AA4F0AEA524}" type="datetimeFigureOut">
               <a:rPr lang="ko-KR" altLang="en-US" smtClean="0"/>
-              <a:t>2022-01-29</a:t>
+              <a:t>2022-02-09</a:t>
             </a:fld>
             <a:endParaRPr lang="ko-KR" altLang="en-US"/>
           </a:p>
@@ -1827,7 +1829,7 @@
           <a:p>
             <a:fld id="{F16EBDC1-44BD-4276-945D-3AA4F0AEA524}" type="datetimeFigureOut">
               <a:rPr lang="ko-KR" altLang="en-US" smtClean="0"/>
-              <a:t>2022-01-29</a:t>
+              <a:t>2022-02-09</a:t>
             </a:fld>
             <a:endParaRPr lang="ko-KR" altLang="en-US"/>
           </a:p>
@@ -1968,7 +1970,7 @@
           <a:p>
             <a:fld id="{F16EBDC1-44BD-4276-945D-3AA4F0AEA524}" type="datetimeFigureOut">
               <a:rPr lang="ko-KR" altLang="en-US" smtClean="0"/>
-              <a:t>2022-01-29</a:t>
+              <a:t>2022-02-09</a:t>
             </a:fld>
             <a:endParaRPr lang="ko-KR" altLang="en-US"/>
           </a:p>
@@ -2081,7 +2083,7 @@
           <a:p>
             <a:fld id="{F16EBDC1-44BD-4276-945D-3AA4F0AEA524}" type="datetimeFigureOut">
               <a:rPr lang="ko-KR" altLang="en-US" smtClean="0"/>
-              <a:t>2022-01-29</a:t>
+              <a:t>2022-02-09</a:t>
             </a:fld>
             <a:endParaRPr lang="ko-KR" altLang="en-US"/>
           </a:p>
@@ -2392,7 +2394,7 @@
           <a:p>
             <a:fld id="{F16EBDC1-44BD-4276-945D-3AA4F0AEA524}" type="datetimeFigureOut">
               <a:rPr lang="ko-KR" altLang="en-US" smtClean="0"/>
-              <a:t>2022-01-29</a:t>
+              <a:t>2022-02-09</a:t>
             </a:fld>
             <a:endParaRPr lang="ko-KR" altLang="en-US"/>
           </a:p>
@@ -2680,7 +2682,7 @@
           <a:p>
             <a:fld id="{F16EBDC1-44BD-4276-945D-3AA4F0AEA524}" type="datetimeFigureOut">
               <a:rPr lang="ko-KR" altLang="en-US" smtClean="0"/>
-              <a:t>2022-01-29</a:t>
+              <a:t>2022-02-09</a:t>
             </a:fld>
             <a:endParaRPr lang="ko-KR" altLang="en-US"/>
           </a:p>
@@ -2921,7 +2923,7 @@
           <a:p>
             <a:fld id="{F16EBDC1-44BD-4276-945D-3AA4F0AEA524}" type="datetimeFigureOut">
               <a:rPr lang="ko-KR" altLang="en-US" smtClean="0"/>
-              <a:t>2022-01-29</a:t>
+              <a:t>2022-02-09</a:t>
             </a:fld>
             <a:endParaRPr lang="ko-KR" altLang="en-US"/>
           </a:p>
@@ -26526,6 +26528,2354 @@
 </p:sld>
 </file>
 
+<file path=ppt/slides/slide14.xml><?xml version="1.0" encoding="utf-8"?>
+<p:sld xmlns:a="http://schemas.openxmlformats.org/drawingml/2006/main" xmlns:r="http://schemas.openxmlformats.org/officeDocument/2006/relationships" xmlns:p="http://schemas.openxmlformats.org/presentationml/2006/main">
+  <p:cSld>
+    <p:spTree>
+      <p:nvGrpSpPr>
+        <p:cNvPr id="1" name=""/>
+        <p:cNvGrpSpPr/>
+        <p:nvPr/>
+      </p:nvGrpSpPr>
+      <p:grpSpPr>
+        <a:xfrm>
+          <a:off x="0" y="0"/>
+          <a:ext cx="0" cy="0"/>
+          <a:chOff x="0" y="0"/>
+          <a:chExt cx="0" cy="0"/>
+        </a:xfrm>
+      </p:grpSpPr>
+      <p:sp>
+        <p:nvSpPr>
+          <p:cNvPr id="21" name="제목 1">
+            <a:extLst>
+              <a:ext uri="{FF2B5EF4-FFF2-40B4-BE49-F238E27FC236}">
+                <a16:creationId xmlns:a16="http://schemas.microsoft.com/office/drawing/2014/main" id="{DD895739-44E0-48E2-997E-4A13028D3303}"/>
+              </a:ext>
+            </a:extLst>
+          </p:cNvPr>
+          <p:cNvSpPr txBox="1">
+            <a:spLocks/>
+          </p:cNvSpPr>
+          <p:nvPr/>
+        </p:nvSpPr>
+        <p:spPr>
+          <a:xfrm>
+            <a:off x="0" y="0"/>
+            <a:ext cx="12192000" cy="900111"/>
+          </a:xfrm>
+          <a:prstGeom prst="rect">
+            <a:avLst/>
+          </a:prstGeom>
+          <a:solidFill>
+            <a:schemeClr val="accent1">
+              <a:lumMod val="40000"/>
+              <a:lumOff val="60000"/>
+            </a:schemeClr>
+          </a:solidFill>
+        </p:spPr>
+        <p:txBody>
+          <a:bodyPr vert="horz" lIns="91440" tIns="45720" rIns="91440" bIns="45720" rtlCol="0" anchor="ctr">
+            <a:normAutofit/>
+          </a:bodyPr>
+          <a:lstStyle>
+            <a:lvl1pPr algn="l" defTabSz="914400" rtl="0" eaLnBrk="1" latinLnBrk="1" hangingPunct="1">
+              <a:lnSpc>
+                <a:spcPct val="90000"/>
+              </a:lnSpc>
+              <a:spcBef>
+                <a:spcPct val="0"/>
+              </a:spcBef>
+              <a:buNone/>
+              <a:defRPr sz="4400" kern="1200">
+                <a:solidFill>
+                  <a:schemeClr val="tx1"/>
+                </a:solidFill>
+                <a:latin typeface="+mj-lt"/>
+                <a:ea typeface="+mj-ea"/>
+                <a:cs typeface="+mj-cs"/>
+              </a:defRPr>
+            </a:lvl1pPr>
+          </a:lstStyle>
+          <a:p>
+            <a:r>
+              <a:rPr lang="en-US" altLang="ko-KR" sz="2400" dirty="0"/>
+              <a:t>2. </a:t>
+            </a:r>
+            <a:r>
+              <a:rPr lang="ko-KR" altLang="en-US" sz="2400" dirty="0"/>
+              <a:t>기능 요약</a:t>
+            </a:r>
+            <a:br>
+              <a:rPr lang="en-US" altLang="ko-KR" sz="2400" dirty="0"/>
+            </a:br>
+            <a:r>
+              <a:rPr lang="en-US" altLang="ko-KR" sz="2400" dirty="0"/>
+              <a:t>2-1. </a:t>
+            </a:r>
+            <a:r>
+              <a:rPr lang="ko-KR" altLang="en-US" sz="2400" dirty="0"/>
+              <a:t>아이디어 설계</a:t>
+            </a:r>
+            <a:r>
+              <a:rPr lang="en-US" altLang="ko-KR" sz="2400" dirty="0"/>
+              <a:t>, </a:t>
+            </a:r>
+            <a:r>
+              <a:rPr lang="ko-KR" altLang="en-US" sz="2400" dirty="0"/>
+              <a:t>디자인 구상 </a:t>
+            </a:r>
+            <a:r>
+              <a:rPr lang="en-US" altLang="ko-KR" sz="2400" dirty="0"/>
+              <a:t>(7) – </a:t>
+            </a:r>
+            <a:r>
+              <a:rPr lang="ko-KR" altLang="en-US" sz="2400" dirty="0"/>
+              <a:t>아이콘 구상</a:t>
+            </a:r>
+          </a:p>
+        </p:txBody>
+      </p:sp>
+      <p:pic>
+        <p:nvPicPr>
+          <p:cNvPr id="4" name="그림 3">
+            <a:extLst>
+              <a:ext uri="{FF2B5EF4-FFF2-40B4-BE49-F238E27FC236}">
+                <a16:creationId xmlns:a16="http://schemas.microsoft.com/office/drawing/2014/main" id="{3BE689E7-90C8-4198-9107-160591EE5F35}"/>
+              </a:ext>
+            </a:extLst>
+          </p:cNvPr>
+          <p:cNvPicPr>
+            <a:picLocks noChangeAspect="1"/>
+          </p:cNvPicPr>
+          <p:nvPr/>
+        </p:nvPicPr>
+        <p:blipFill>
+          <a:blip r:embed="rId2"/>
+          <a:stretch>
+            <a:fillRect/>
+          </a:stretch>
+        </p:blipFill>
+        <p:spPr>
+          <a:xfrm>
+            <a:off x="655583" y="971494"/>
+            <a:ext cx="771633" cy="800212"/>
+          </a:xfrm>
+          <a:prstGeom prst="rect">
+            <a:avLst/>
+          </a:prstGeom>
+        </p:spPr>
+      </p:pic>
+      <p:sp>
+        <p:nvSpPr>
+          <p:cNvPr id="5" name="TextBox 4">
+            <a:extLst>
+              <a:ext uri="{FF2B5EF4-FFF2-40B4-BE49-F238E27FC236}">
+                <a16:creationId xmlns:a16="http://schemas.microsoft.com/office/drawing/2014/main" id="{10EB7268-EE29-4778-A8A7-BBBB82AF5B43}"/>
+              </a:ext>
+            </a:extLst>
+          </p:cNvPr>
+          <p:cNvSpPr txBox="1"/>
+          <p:nvPr/>
+        </p:nvSpPr>
+        <p:spPr>
+          <a:xfrm>
+            <a:off x="1981200" y="1104900"/>
+            <a:ext cx="2451100" cy="369332"/>
+          </a:xfrm>
+          <a:prstGeom prst="rect">
+            <a:avLst/>
+          </a:prstGeom>
+          <a:noFill/>
+        </p:spPr>
+        <p:txBody>
+          <a:bodyPr wrap="square" rtlCol="0">
+            <a:spAutoFit/>
+          </a:bodyPr>
+          <a:lstStyle/>
+          <a:p>
+            <a:r>
+              <a:rPr lang="en-US" altLang="ko-KR" b="0" i="0" dirty="0" err="1">
+                <a:effectLst/>
+                <a:latin typeface="Menlo"/>
+              </a:rPr>
+              <a:t>mdiCurrencyUsd</a:t>
+            </a:r>
+            <a:r>
+              <a:rPr lang="ko-KR" altLang="en-US" b="0" i="0" dirty="0" err="1">
+                <a:effectLst/>
+                <a:latin typeface="Menlo"/>
+              </a:rPr>
+              <a:t>ㅍ</a:t>
+            </a:r>
+            <a:endParaRPr lang="ko-KR" altLang="en-US" dirty="0"/>
+          </a:p>
+        </p:txBody>
+      </p:sp>
+      <p:pic>
+        <p:nvPicPr>
+          <p:cNvPr id="7" name="그림 6">
+            <a:extLst>
+              <a:ext uri="{FF2B5EF4-FFF2-40B4-BE49-F238E27FC236}">
+                <a16:creationId xmlns:a16="http://schemas.microsoft.com/office/drawing/2014/main" id="{CEE362B8-AF00-41BE-9F6A-4C0D498602C2}"/>
+              </a:ext>
+            </a:extLst>
+          </p:cNvPr>
+          <p:cNvPicPr>
+            <a:picLocks noChangeAspect="1"/>
+          </p:cNvPicPr>
+          <p:nvPr/>
+        </p:nvPicPr>
+        <p:blipFill>
+          <a:blip r:embed="rId3"/>
+          <a:stretch>
+            <a:fillRect/>
+          </a:stretch>
+        </p:blipFill>
+        <p:spPr>
+          <a:xfrm>
+            <a:off x="674636" y="1748933"/>
+            <a:ext cx="752580" cy="819264"/>
+          </a:xfrm>
+          <a:prstGeom prst="rect">
+            <a:avLst/>
+          </a:prstGeom>
+        </p:spPr>
+      </p:pic>
+      <p:sp>
+        <p:nvSpPr>
+          <p:cNvPr id="70" name="TextBox 69">
+            <a:extLst>
+              <a:ext uri="{FF2B5EF4-FFF2-40B4-BE49-F238E27FC236}">
+                <a16:creationId xmlns:a16="http://schemas.microsoft.com/office/drawing/2014/main" id="{725D3D98-45BB-4DA2-AC39-DB16718E3F62}"/>
+              </a:ext>
+            </a:extLst>
+          </p:cNvPr>
+          <p:cNvSpPr txBox="1"/>
+          <p:nvPr/>
+        </p:nvSpPr>
+        <p:spPr>
+          <a:xfrm>
+            <a:off x="1981200" y="1973899"/>
+            <a:ext cx="2451100" cy="369332"/>
+          </a:xfrm>
+          <a:prstGeom prst="rect">
+            <a:avLst/>
+          </a:prstGeom>
+          <a:noFill/>
+        </p:spPr>
+        <p:txBody>
+          <a:bodyPr wrap="square" rtlCol="0">
+            <a:spAutoFit/>
+          </a:bodyPr>
+          <a:lstStyle/>
+          <a:p>
+            <a:r>
+              <a:rPr lang="en-US" altLang="ko-KR" b="0" i="0" dirty="0" err="1">
+                <a:solidFill>
+                  <a:srgbClr val="9CDCFE"/>
+                </a:solidFill>
+                <a:effectLst/>
+                <a:latin typeface="Menlo"/>
+              </a:rPr>
+              <a:t>mdiWater</a:t>
+            </a:r>
+            <a:endParaRPr lang="ko-KR" altLang="en-US" dirty="0"/>
+          </a:p>
+        </p:txBody>
+      </p:sp>
+      <p:sp>
+        <p:nvSpPr>
+          <p:cNvPr id="78" name="TextBox 77">
+            <a:extLst>
+              <a:ext uri="{FF2B5EF4-FFF2-40B4-BE49-F238E27FC236}">
+                <a16:creationId xmlns:a16="http://schemas.microsoft.com/office/drawing/2014/main" id="{96CC2E8E-8062-4550-B7A4-758052209F1C}"/>
+              </a:ext>
+            </a:extLst>
+          </p:cNvPr>
+          <p:cNvSpPr txBox="1"/>
+          <p:nvPr/>
+        </p:nvSpPr>
+        <p:spPr>
+          <a:xfrm>
+            <a:off x="1936748" y="2773868"/>
+            <a:ext cx="6146800" cy="369332"/>
+          </a:xfrm>
+          <a:prstGeom prst="rect">
+            <a:avLst/>
+          </a:prstGeom>
+          <a:noFill/>
+        </p:spPr>
+        <p:txBody>
+          <a:bodyPr wrap="square">
+            <a:spAutoFit/>
+          </a:bodyPr>
+          <a:lstStyle/>
+          <a:p>
+            <a:r>
+              <a:rPr lang="en-US" altLang="ko-KR" b="0" i="0" dirty="0">
+                <a:solidFill>
+                  <a:srgbClr val="FFFFFF"/>
+                </a:solidFill>
+                <a:effectLst/>
+                <a:latin typeface="Menlo"/>
+              </a:rPr>
+              <a:t> </a:t>
+            </a:r>
+            <a:r>
+              <a:rPr lang="en-US" altLang="ko-KR" b="0" i="0" dirty="0" err="1">
+                <a:solidFill>
+                  <a:srgbClr val="9CDCFE"/>
+                </a:solidFill>
+                <a:effectLst/>
+                <a:latin typeface="Menlo"/>
+              </a:rPr>
+              <a:t>mdiCreditCardChipOutline</a:t>
+            </a:r>
+            <a:endParaRPr lang="ko-KR" altLang="en-US" dirty="0"/>
+          </a:p>
+        </p:txBody>
+      </p:sp>
+      <p:pic>
+        <p:nvPicPr>
+          <p:cNvPr id="10" name="그림 9">
+            <a:extLst>
+              <a:ext uri="{FF2B5EF4-FFF2-40B4-BE49-F238E27FC236}">
+                <a16:creationId xmlns:a16="http://schemas.microsoft.com/office/drawing/2014/main" id="{07F4E982-1E43-438E-855D-F350A1F02A12}"/>
+              </a:ext>
+            </a:extLst>
+          </p:cNvPr>
+          <p:cNvPicPr>
+            <a:picLocks noChangeAspect="1"/>
+          </p:cNvPicPr>
+          <p:nvPr/>
+        </p:nvPicPr>
+        <p:blipFill>
+          <a:blip r:embed="rId4"/>
+          <a:stretch>
+            <a:fillRect/>
+          </a:stretch>
+        </p:blipFill>
+        <p:spPr>
+          <a:xfrm>
+            <a:off x="655583" y="2661060"/>
+            <a:ext cx="790685" cy="733527"/>
+          </a:xfrm>
+          <a:prstGeom prst="rect">
+            <a:avLst/>
+          </a:prstGeom>
+        </p:spPr>
+      </p:pic>
+      <p:pic>
+        <p:nvPicPr>
+          <p:cNvPr id="12" name="그림 11">
+            <a:extLst>
+              <a:ext uri="{FF2B5EF4-FFF2-40B4-BE49-F238E27FC236}">
+                <a16:creationId xmlns:a16="http://schemas.microsoft.com/office/drawing/2014/main" id="{E37E7FAB-5FA2-4551-BBB0-455D40885436}"/>
+              </a:ext>
+            </a:extLst>
+          </p:cNvPr>
+          <p:cNvPicPr>
+            <a:picLocks noChangeAspect="1"/>
+          </p:cNvPicPr>
+          <p:nvPr/>
+        </p:nvPicPr>
+        <p:blipFill>
+          <a:blip r:embed="rId5"/>
+          <a:stretch>
+            <a:fillRect/>
+          </a:stretch>
+        </p:blipFill>
+        <p:spPr>
+          <a:xfrm>
+            <a:off x="596900" y="3336116"/>
+            <a:ext cx="838317" cy="828791"/>
+          </a:xfrm>
+          <a:prstGeom prst="rect">
+            <a:avLst/>
+          </a:prstGeom>
+        </p:spPr>
+      </p:pic>
+      <p:sp>
+        <p:nvSpPr>
+          <p:cNvPr id="79" name="TextBox 78">
+            <a:extLst>
+              <a:ext uri="{FF2B5EF4-FFF2-40B4-BE49-F238E27FC236}">
+                <a16:creationId xmlns:a16="http://schemas.microsoft.com/office/drawing/2014/main" id="{4B5E2200-395F-4497-95E7-7187D7F035F8}"/>
+              </a:ext>
+            </a:extLst>
+          </p:cNvPr>
+          <p:cNvSpPr txBox="1"/>
+          <p:nvPr/>
+        </p:nvSpPr>
+        <p:spPr>
+          <a:xfrm>
+            <a:off x="1936748" y="3527364"/>
+            <a:ext cx="6146800" cy="369332"/>
+          </a:xfrm>
+          <a:prstGeom prst="rect">
+            <a:avLst/>
+          </a:prstGeom>
+          <a:noFill/>
+        </p:spPr>
+        <p:txBody>
+          <a:bodyPr wrap="square">
+            <a:spAutoFit/>
+          </a:bodyPr>
+          <a:lstStyle/>
+          <a:p>
+            <a:r>
+              <a:rPr lang="en-US" altLang="ko-KR" b="0" i="0" dirty="0" err="1">
+                <a:solidFill>
+                  <a:srgbClr val="9CDCFE"/>
+                </a:solidFill>
+                <a:effectLst/>
+                <a:latin typeface="Menlo"/>
+              </a:rPr>
+              <a:t>mdiFood</a:t>
+            </a:r>
+            <a:endParaRPr lang="ko-KR" altLang="en-US" dirty="0"/>
+          </a:p>
+        </p:txBody>
+      </p:sp>
+      <p:pic>
+        <p:nvPicPr>
+          <p:cNvPr id="15" name="그림 14">
+            <a:extLst>
+              <a:ext uri="{FF2B5EF4-FFF2-40B4-BE49-F238E27FC236}">
+                <a16:creationId xmlns:a16="http://schemas.microsoft.com/office/drawing/2014/main" id="{83DB462A-8840-4356-8862-D865F22B47B5}"/>
+              </a:ext>
+            </a:extLst>
+          </p:cNvPr>
+          <p:cNvPicPr>
+            <a:picLocks noChangeAspect="1"/>
+          </p:cNvPicPr>
+          <p:nvPr/>
+        </p:nvPicPr>
+        <p:blipFill>
+          <a:blip r:embed="rId6"/>
+          <a:stretch>
+            <a:fillRect/>
+          </a:stretch>
+        </p:blipFill>
+        <p:spPr>
+          <a:xfrm>
+            <a:off x="6096000" y="1034143"/>
+            <a:ext cx="743054" cy="800212"/>
+          </a:xfrm>
+          <a:prstGeom prst="rect">
+            <a:avLst/>
+          </a:prstGeom>
+        </p:spPr>
+      </p:pic>
+      <p:sp>
+        <p:nvSpPr>
+          <p:cNvPr id="80" name="TextBox 79">
+            <a:extLst>
+              <a:ext uri="{FF2B5EF4-FFF2-40B4-BE49-F238E27FC236}">
+                <a16:creationId xmlns:a16="http://schemas.microsoft.com/office/drawing/2014/main" id="{67E4FCFE-D176-4339-9E26-0B25CBDB2641}"/>
+              </a:ext>
+            </a:extLst>
+          </p:cNvPr>
+          <p:cNvSpPr txBox="1"/>
+          <p:nvPr/>
+        </p:nvSpPr>
+        <p:spPr>
+          <a:xfrm>
+            <a:off x="7035800" y="1175324"/>
+            <a:ext cx="6146800" cy="369332"/>
+          </a:xfrm>
+          <a:prstGeom prst="rect">
+            <a:avLst/>
+          </a:prstGeom>
+          <a:noFill/>
+        </p:spPr>
+        <p:txBody>
+          <a:bodyPr wrap="square">
+            <a:spAutoFit/>
+          </a:bodyPr>
+          <a:lstStyle/>
+          <a:p>
+            <a:r>
+              <a:rPr lang="en-US" altLang="ko-KR" b="0" i="0" dirty="0" err="1">
+                <a:solidFill>
+                  <a:srgbClr val="9CDCFE"/>
+                </a:solidFill>
+                <a:effectLst/>
+                <a:latin typeface="Menlo"/>
+              </a:rPr>
+              <a:t>mdiAirplaneClock</a:t>
+            </a:r>
+            <a:r>
+              <a:rPr lang="en-US" altLang="ko-KR" b="0" i="0" dirty="0">
+                <a:solidFill>
+                  <a:srgbClr val="FFFFFF"/>
+                </a:solidFill>
+                <a:effectLst/>
+                <a:latin typeface="Menlo"/>
+              </a:rPr>
+              <a:t> </a:t>
+            </a:r>
+            <a:endParaRPr lang="ko-KR" altLang="en-US" dirty="0"/>
+          </a:p>
+        </p:txBody>
+      </p:sp>
+      <p:pic>
+        <p:nvPicPr>
+          <p:cNvPr id="18" name="그림 17">
+            <a:extLst>
+              <a:ext uri="{FF2B5EF4-FFF2-40B4-BE49-F238E27FC236}">
+                <a16:creationId xmlns:a16="http://schemas.microsoft.com/office/drawing/2014/main" id="{9C9B5544-AED0-4B43-B9EF-293FBAD5AFBD}"/>
+              </a:ext>
+            </a:extLst>
+          </p:cNvPr>
+          <p:cNvPicPr>
+            <a:picLocks noChangeAspect="1"/>
+          </p:cNvPicPr>
+          <p:nvPr/>
+        </p:nvPicPr>
+        <p:blipFill>
+          <a:blip r:embed="rId7"/>
+          <a:stretch>
+            <a:fillRect/>
+          </a:stretch>
+        </p:blipFill>
+        <p:spPr>
+          <a:xfrm>
+            <a:off x="6067421" y="1933075"/>
+            <a:ext cx="771633" cy="866896"/>
+          </a:xfrm>
+          <a:prstGeom prst="rect">
+            <a:avLst/>
+          </a:prstGeom>
+        </p:spPr>
+      </p:pic>
+      <p:sp>
+        <p:nvSpPr>
+          <p:cNvPr id="81" name="TextBox 80">
+            <a:extLst>
+              <a:ext uri="{FF2B5EF4-FFF2-40B4-BE49-F238E27FC236}">
+                <a16:creationId xmlns:a16="http://schemas.microsoft.com/office/drawing/2014/main" id="{D88A0ABC-B866-414B-BFB4-EA6DF1E4260B}"/>
+              </a:ext>
+            </a:extLst>
+          </p:cNvPr>
+          <p:cNvSpPr txBox="1"/>
+          <p:nvPr/>
+        </p:nvSpPr>
+        <p:spPr>
+          <a:xfrm>
+            <a:off x="7035800" y="2070910"/>
+            <a:ext cx="6642100" cy="369332"/>
+          </a:xfrm>
+          <a:prstGeom prst="rect">
+            <a:avLst/>
+          </a:prstGeom>
+          <a:noFill/>
+        </p:spPr>
+        <p:txBody>
+          <a:bodyPr wrap="square">
+            <a:spAutoFit/>
+          </a:bodyPr>
+          <a:lstStyle/>
+          <a:p>
+            <a:r>
+              <a:rPr lang="en-US" altLang="ko-KR" b="0" i="0" dirty="0" err="1">
+                <a:solidFill>
+                  <a:srgbClr val="9CDCFE"/>
+                </a:solidFill>
+                <a:effectLst/>
+                <a:latin typeface="Menlo"/>
+              </a:rPr>
+              <a:t>mdiHospitalBox</a:t>
+            </a:r>
+            <a:r>
+              <a:rPr lang="en-US" altLang="ko-KR" b="0" i="0" dirty="0">
+                <a:solidFill>
+                  <a:srgbClr val="FFFFFF"/>
+                </a:solidFill>
+                <a:effectLst/>
+                <a:latin typeface="Menlo"/>
+              </a:rPr>
+              <a:t> </a:t>
+            </a:r>
+            <a:endParaRPr lang="ko-KR" altLang="en-US" dirty="0"/>
+          </a:p>
+        </p:txBody>
+      </p:sp>
+      <p:pic>
+        <p:nvPicPr>
+          <p:cNvPr id="22" name="그림 21">
+            <a:extLst>
+              <a:ext uri="{FF2B5EF4-FFF2-40B4-BE49-F238E27FC236}">
+                <a16:creationId xmlns:a16="http://schemas.microsoft.com/office/drawing/2014/main" id="{74CCEE8D-66CF-45C6-BE19-223C95FE73E9}"/>
+              </a:ext>
+            </a:extLst>
+          </p:cNvPr>
+          <p:cNvPicPr>
+            <a:picLocks noChangeAspect="1"/>
+          </p:cNvPicPr>
+          <p:nvPr/>
+        </p:nvPicPr>
+        <p:blipFill>
+          <a:blip r:embed="rId8"/>
+          <a:stretch>
+            <a:fillRect/>
+          </a:stretch>
+        </p:blipFill>
+        <p:spPr>
+          <a:xfrm>
+            <a:off x="6067421" y="2994233"/>
+            <a:ext cx="733527" cy="724001"/>
+          </a:xfrm>
+          <a:prstGeom prst="rect">
+            <a:avLst/>
+          </a:prstGeom>
+        </p:spPr>
+      </p:pic>
+      <p:sp>
+        <p:nvSpPr>
+          <p:cNvPr id="85" name="TextBox 84">
+            <a:extLst>
+              <a:ext uri="{FF2B5EF4-FFF2-40B4-BE49-F238E27FC236}">
+                <a16:creationId xmlns:a16="http://schemas.microsoft.com/office/drawing/2014/main" id="{4AF4CF36-EAF4-4E59-87F5-C01FE7A99484}"/>
+              </a:ext>
+            </a:extLst>
+          </p:cNvPr>
+          <p:cNvSpPr txBox="1"/>
+          <p:nvPr/>
+        </p:nvSpPr>
+        <p:spPr>
+          <a:xfrm>
+            <a:off x="7035800" y="3137302"/>
+            <a:ext cx="6889750" cy="369332"/>
+          </a:xfrm>
+          <a:prstGeom prst="rect">
+            <a:avLst/>
+          </a:prstGeom>
+          <a:noFill/>
+        </p:spPr>
+        <p:txBody>
+          <a:bodyPr wrap="square">
+            <a:spAutoFit/>
+          </a:bodyPr>
+          <a:lstStyle/>
+          <a:p>
+            <a:r>
+              <a:rPr lang="en-US" altLang="ko-KR" b="0" i="0" dirty="0" err="1">
+                <a:solidFill>
+                  <a:srgbClr val="9CDCFE"/>
+                </a:solidFill>
+                <a:effectLst/>
+                <a:latin typeface="Menlo"/>
+              </a:rPr>
+              <a:t>mdiHumanBabyChangingTable</a:t>
+            </a:r>
+            <a:r>
+              <a:rPr lang="en-US" altLang="ko-KR" b="0" i="0" dirty="0">
+                <a:solidFill>
+                  <a:srgbClr val="FFFFFF"/>
+                </a:solidFill>
+                <a:effectLst/>
+                <a:latin typeface="Menlo"/>
+              </a:rPr>
+              <a:t> </a:t>
+            </a:r>
+            <a:endParaRPr lang="ko-KR" altLang="en-US" dirty="0"/>
+          </a:p>
+        </p:txBody>
+      </p:sp>
+      <p:pic>
+        <p:nvPicPr>
+          <p:cNvPr id="25" name="그림 24">
+            <a:extLst>
+              <a:ext uri="{FF2B5EF4-FFF2-40B4-BE49-F238E27FC236}">
+                <a16:creationId xmlns:a16="http://schemas.microsoft.com/office/drawing/2014/main" id="{3844A5CC-ECB0-48EB-AD9F-9EB2ABE8C786}"/>
+              </a:ext>
+            </a:extLst>
+          </p:cNvPr>
+          <p:cNvPicPr>
+            <a:picLocks noChangeAspect="1"/>
+          </p:cNvPicPr>
+          <p:nvPr/>
+        </p:nvPicPr>
+        <p:blipFill>
+          <a:blip r:embed="rId9"/>
+          <a:stretch>
+            <a:fillRect/>
+          </a:stretch>
+        </p:blipFill>
+        <p:spPr>
+          <a:xfrm>
+            <a:off x="6096000" y="3834368"/>
+            <a:ext cx="771633" cy="762106"/>
+          </a:xfrm>
+          <a:prstGeom prst="rect">
+            <a:avLst/>
+          </a:prstGeom>
+        </p:spPr>
+      </p:pic>
+      <p:sp>
+        <p:nvSpPr>
+          <p:cNvPr id="95" name="TextBox 94">
+            <a:extLst>
+              <a:ext uri="{FF2B5EF4-FFF2-40B4-BE49-F238E27FC236}">
+                <a16:creationId xmlns:a16="http://schemas.microsoft.com/office/drawing/2014/main" id="{F3A153E2-C064-4A25-A076-AB1E171E64A5}"/>
+              </a:ext>
+            </a:extLst>
+          </p:cNvPr>
+          <p:cNvSpPr txBox="1"/>
+          <p:nvPr/>
+        </p:nvSpPr>
+        <p:spPr>
+          <a:xfrm>
+            <a:off x="7099300" y="4033729"/>
+            <a:ext cx="7016750" cy="369332"/>
+          </a:xfrm>
+          <a:prstGeom prst="rect">
+            <a:avLst/>
+          </a:prstGeom>
+          <a:noFill/>
+        </p:spPr>
+        <p:txBody>
+          <a:bodyPr wrap="square">
+            <a:spAutoFit/>
+          </a:bodyPr>
+          <a:lstStyle/>
+          <a:p>
+            <a:r>
+              <a:rPr lang="en-US" altLang="ko-KR" b="0" i="0" dirty="0" err="1">
+                <a:solidFill>
+                  <a:srgbClr val="9CDCFE"/>
+                </a:solidFill>
+                <a:effectLst/>
+                <a:latin typeface="Menlo"/>
+              </a:rPr>
+              <a:t>mdiHomeGroup</a:t>
+            </a:r>
+            <a:r>
+              <a:rPr lang="en-US" altLang="ko-KR" b="0" i="0" dirty="0">
+                <a:solidFill>
+                  <a:srgbClr val="FFFFFF"/>
+                </a:solidFill>
+                <a:effectLst/>
+                <a:latin typeface="Menlo"/>
+              </a:rPr>
+              <a:t> </a:t>
+            </a:r>
+            <a:endParaRPr lang="ko-KR" altLang="en-US" dirty="0"/>
+          </a:p>
+        </p:txBody>
+      </p:sp>
+      <p:pic>
+        <p:nvPicPr>
+          <p:cNvPr id="29" name="그림 28">
+            <a:extLst>
+              <a:ext uri="{FF2B5EF4-FFF2-40B4-BE49-F238E27FC236}">
+                <a16:creationId xmlns:a16="http://schemas.microsoft.com/office/drawing/2014/main" id="{332F9172-A49A-4258-B594-F3A2FC3DF5F6}"/>
+              </a:ext>
+            </a:extLst>
+          </p:cNvPr>
+          <p:cNvPicPr>
+            <a:picLocks noChangeAspect="1"/>
+          </p:cNvPicPr>
+          <p:nvPr/>
+        </p:nvPicPr>
+        <p:blipFill>
+          <a:blip r:embed="rId10"/>
+          <a:stretch>
+            <a:fillRect/>
+          </a:stretch>
+        </p:blipFill>
+        <p:spPr>
+          <a:xfrm>
+            <a:off x="6162685" y="4795527"/>
+            <a:ext cx="704948" cy="809738"/>
+          </a:xfrm>
+          <a:prstGeom prst="rect">
+            <a:avLst/>
+          </a:prstGeom>
+        </p:spPr>
+      </p:pic>
+      <p:sp>
+        <p:nvSpPr>
+          <p:cNvPr id="96" name="TextBox 95">
+            <a:extLst>
+              <a:ext uri="{FF2B5EF4-FFF2-40B4-BE49-F238E27FC236}">
+                <a16:creationId xmlns:a16="http://schemas.microsoft.com/office/drawing/2014/main" id="{45FB8A8B-9DC9-49AE-B456-CD0D3AA4CD42}"/>
+              </a:ext>
+            </a:extLst>
+          </p:cNvPr>
+          <p:cNvSpPr txBox="1"/>
+          <p:nvPr/>
+        </p:nvSpPr>
+        <p:spPr>
+          <a:xfrm>
+            <a:off x="7271410" y="4939598"/>
+            <a:ext cx="1536700" cy="369332"/>
+          </a:xfrm>
+          <a:prstGeom prst="rect">
+            <a:avLst/>
+          </a:prstGeom>
+          <a:noFill/>
+        </p:spPr>
+        <p:txBody>
+          <a:bodyPr wrap="square">
+            <a:spAutoFit/>
+          </a:bodyPr>
+          <a:lstStyle/>
+          <a:p>
+            <a:r>
+              <a:rPr lang="en-US" altLang="ko-KR" b="0" i="0">
+                <a:solidFill>
+                  <a:srgbClr val="9CDCFE"/>
+                </a:solidFill>
+                <a:effectLst/>
+                <a:latin typeface="Menlo"/>
+              </a:rPr>
+              <a:t>mdiBitcoin</a:t>
+            </a:r>
+            <a:r>
+              <a:rPr lang="en-US" altLang="ko-KR" b="0" i="0">
+                <a:solidFill>
+                  <a:srgbClr val="FFFFFF"/>
+                </a:solidFill>
+                <a:effectLst/>
+                <a:latin typeface="Menlo"/>
+              </a:rPr>
+              <a:t> </a:t>
+            </a:r>
+            <a:endParaRPr lang="ko-KR" altLang="en-US" dirty="0"/>
+          </a:p>
+        </p:txBody>
+      </p:sp>
+      <p:pic>
+        <p:nvPicPr>
+          <p:cNvPr id="35" name="그림 34">
+            <a:extLst>
+              <a:ext uri="{FF2B5EF4-FFF2-40B4-BE49-F238E27FC236}">
+                <a16:creationId xmlns:a16="http://schemas.microsoft.com/office/drawing/2014/main" id="{7352F316-5E52-42B5-9FA6-61E206F2C590}"/>
+              </a:ext>
+            </a:extLst>
+          </p:cNvPr>
+          <p:cNvPicPr>
+            <a:picLocks noChangeAspect="1"/>
+          </p:cNvPicPr>
+          <p:nvPr/>
+        </p:nvPicPr>
+        <p:blipFill>
+          <a:blip r:embed="rId11"/>
+          <a:stretch>
+            <a:fillRect/>
+          </a:stretch>
+        </p:blipFill>
+        <p:spPr>
+          <a:xfrm>
+            <a:off x="641352" y="4176025"/>
+            <a:ext cx="790685" cy="762106"/>
+          </a:xfrm>
+          <a:prstGeom prst="rect">
+            <a:avLst/>
+          </a:prstGeom>
+        </p:spPr>
+      </p:pic>
+      <p:sp>
+        <p:nvSpPr>
+          <p:cNvPr id="97" name="TextBox 96">
+            <a:extLst>
+              <a:ext uri="{FF2B5EF4-FFF2-40B4-BE49-F238E27FC236}">
+                <a16:creationId xmlns:a16="http://schemas.microsoft.com/office/drawing/2014/main" id="{6B8FF366-C638-4891-9498-B2D67024571B}"/>
+              </a:ext>
+            </a:extLst>
+          </p:cNvPr>
+          <p:cNvSpPr txBox="1"/>
+          <p:nvPr/>
+        </p:nvSpPr>
+        <p:spPr>
+          <a:xfrm>
+            <a:off x="1981200" y="4372412"/>
+            <a:ext cx="2697216" cy="369332"/>
+          </a:xfrm>
+          <a:prstGeom prst="rect">
+            <a:avLst/>
+          </a:prstGeom>
+          <a:noFill/>
+        </p:spPr>
+        <p:txBody>
+          <a:bodyPr wrap="square">
+            <a:spAutoFit/>
+          </a:bodyPr>
+          <a:lstStyle/>
+          <a:p>
+            <a:r>
+              <a:rPr lang="en-US" altLang="ko-KR" b="0" i="0" dirty="0" err="1">
+                <a:solidFill>
+                  <a:srgbClr val="9CDCFE"/>
+                </a:solidFill>
+                <a:effectLst/>
+                <a:latin typeface="Menlo"/>
+              </a:rPr>
+              <a:t>mdiPhoneInTalk</a:t>
+            </a:r>
+            <a:r>
+              <a:rPr lang="en-US" altLang="ko-KR" b="0" i="0" dirty="0">
+                <a:solidFill>
+                  <a:srgbClr val="FFFFFF"/>
+                </a:solidFill>
+                <a:effectLst/>
+                <a:latin typeface="Menlo"/>
+              </a:rPr>
+              <a:t> </a:t>
+            </a:r>
+            <a:endParaRPr lang="ko-KR" altLang="en-US" dirty="0"/>
+          </a:p>
+        </p:txBody>
+      </p:sp>
+      <p:pic>
+        <p:nvPicPr>
+          <p:cNvPr id="40" name="그림 39">
+            <a:extLst>
+              <a:ext uri="{FF2B5EF4-FFF2-40B4-BE49-F238E27FC236}">
+                <a16:creationId xmlns:a16="http://schemas.microsoft.com/office/drawing/2014/main" id="{A8A9D8FE-E7C0-439C-90CB-480BCBA0B0BD}"/>
+              </a:ext>
+            </a:extLst>
+          </p:cNvPr>
+          <p:cNvPicPr>
+            <a:picLocks noChangeAspect="1"/>
+          </p:cNvPicPr>
+          <p:nvPr/>
+        </p:nvPicPr>
+        <p:blipFill>
+          <a:blip r:embed="rId12"/>
+          <a:stretch>
+            <a:fillRect/>
+          </a:stretch>
+        </p:blipFill>
+        <p:spPr>
+          <a:xfrm>
+            <a:off x="6129342" y="5533581"/>
+            <a:ext cx="771633" cy="800212"/>
+          </a:xfrm>
+          <a:prstGeom prst="rect">
+            <a:avLst/>
+          </a:prstGeom>
+        </p:spPr>
+      </p:pic>
+      <p:sp>
+        <p:nvSpPr>
+          <p:cNvPr id="101" name="TextBox 100">
+            <a:extLst>
+              <a:ext uri="{FF2B5EF4-FFF2-40B4-BE49-F238E27FC236}">
+                <a16:creationId xmlns:a16="http://schemas.microsoft.com/office/drawing/2014/main" id="{CED19B78-64AC-489F-AC63-0EEB6EC568D1}"/>
+              </a:ext>
+            </a:extLst>
+          </p:cNvPr>
+          <p:cNvSpPr txBox="1"/>
+          <p:nvPr/>
+        </p:nvSpPr>
+        <p:spPr>
+          <a:xfrm>
+            <a:off x="7271410" y="5749021"/>
+            <a:ext cx="1707490" cy="369332"/>
+          </a:xfrm>
+          <a:prstGeom prst="rect">
+            <a:avLst/>
+          </a:prstGeom>
+          <a:noFill/>
+        </p:spPr>
+        <p:txBody>
+          <a:bodyPr wrap="square">
+            <a:spAutoFit/>
+          </a:bodyPr>
+          <a:lstStyle/>
+          <a:p>
+            <a:r>
+              <a:rPr lang="en-US" altLang="ko-KR" b="0" i="0" dirty="0" err="1">
+                <a:solidFill>
+                  <a:srgbClr val="9CDCFE"/>
+                </a:solidFill>
+                <a:effectLst/>
+                <a:latin typeface="Menlo"/>
+              </a:rPr>
+              <a:t>mdiYoutube</a:t>
+            </a:r>
+            <a:r>
+              <a:rPr lang="en-US" altLang="ko-KR" b="0" i="0" dirty="0">
+                <a:solidFill>
+                  <a:srgbClr val="FFFFFF"/>
+                </a:solidFill>
+                <a:effectLst/>
+                <a:latin typeface="Menlo"/>
+              </a:rPr>
+              <a:t> </a:t>
+            </a:r>
+            <a:endParaRPr lang="ko-KR" altLang="en-US" dirty="0"/>
+          </a:p>
+        </p:txBody>
+      </p:sp>
+      <p:pic>
+        <p:nvPicPr>
+          <p:cNvPr id="51" name="그림 50">
+            <a:extLst>
+              <a:ext uri="{FF2B5EF4-FFF2-40B4-BE49-F238E27FC236}">
+                <a16:creationId xmlns:a16="http://schemas.microsoft.com/office/drawing/2014/main" id="{E29D8341-A1B4-401D-9E47-9FA07C940CEB}"/>
+              </a:ext>
+            </a:extLst>
+          </p:cNvPr>
+          <p:cNvPicPr>
+            <a:picLocks noChangeAspect="1"/>
+          </p:cNvPicPr>
+          <p:nvPr/>
+        </p:nvPicPr>
+        <p:blipFill>
+          <a:blip r:embed="rId13"/>
+          <a:stretch>
+            <a:fillRect/>
+          </a:stretch>
+        </p:blipFill>
+        <p:spPr>
+          <a:xfrm>
+            <a:off x="596900" y="5076317"/>
+            <a:ext cx="800212" cy="857370"/>
+          </a:xfrm>
+          <a:prstGeom prst="rect">
+            <a:avLst/>
+          </a:prstGeom>
+        </p:spPr>
+      </p:pic>
+      <p:sp>
+        <p:nvSpPr>
+          <p:cNvPr id="105" name="TextBox 104">
+            <a:extLst>
+              <a:ext uri="{FF2B5EF4-FFF2-40B4-BE49-F238E27FC236}">
+                <a16:creationId xmlns:a16="http://schemas.microsoft.com/office/drawing/2014/main" id="{3DF01C57-CA20-4EB9-A39D-B9F66A9E3B3B}"/>
+              </a:ext>
+            </a:extLst>
+          </p:cNvPr>
+          <p:cNvSpPr txBox="1"/>
+          <p:nvPr/>
+        </p:nvSpPr>
+        <p:spPr>
+          <a:xfrm>
+            <a:off x="1866900" y="5295132"/>
+            <a:ext cx="1460500" cy="369332"/>
+          </a:xfrm>
+          <a:prstGeom prst="rect">
+            <a:avLst/>
+          </a:prstGeom>
+          <a:noFill/>
+        </p:spPr>
+        <p:txBody>
+          <a:bodyPr wrap="square">
+            <a:spAutoFit/>
+          </a:bodyPr>
+          <a:lstStyle/>
+          <a:p>
+            <a:r>
+              <a:rPr lang="en-US" altLang="ko-KR" b="0" i="0" dirty="0" err="1">
+                <a:solidFill>
+                  <a:srgbClr val="9CDCFE"/>
+                </a:solidFill>
+                <a:effectLst/>
+                <a:latin typeface="Menlo"/>
+              </a:rPr>
+              <a:t>mdiCoffee</a:t>
+            </a:r>
+            <a:r>
+              <a:rPr lang="en-US" altLang="ko-KR" b="0" i="0" dirty="0">
+                <a:solidFill>
+                  <a:srgbClr val="FFFFFF"/>
+                </a:solidFill>
+                <a:effectLst/>
+                <a:latin typeface="Menlo"/>
+              </a:rPr>
+              <a:t> </a:t>
+            </a:r>
+            <a:endParaRPr lang="ko-KR" altLang="en-US" dirty="0"/>
+          </a:p>
+        </p:txBody>
+      </p:sp>
+      <p:pic>
+        <p:nvPicPr>
+          <p:cNvPr id="54" name="그림 53">
+            <a:extLst>
+              <a:ext uri="{FF2B5EF4-FFF2-40B4-BE49-F238E27FC236}">
+                <a16:creationId xmlns:a16="http://schemas.microsoft.com/office/drawing/2014/main" id="{545D7D33-864A-4F3F-9739-4767C1AA63BF}"/>
+              </a:ext>
+            </a:extLst>
+          </p:cNvPr>
+          <p:cNvPicPr>
+            <a:picLocks noChangeAspect="1"/>
+          </p:cNvPicPr>
+          <p:nvPr/>
+        </p:nvPicPr>
+        <p:blipFill>
+          <a:blip r:embed="rId14"/>
+          <a:stretch>
+            <a:fillRect/>
+          </a:stretch>
+        </p:blipFill>
+        <p:spPr>
+          <a:xfrm>
+            <a:off x="596900" y="5933687"/>
+            <a:ext cx="743054" cy="733527"/>
+          </a:xfrm>
+          <a:prstGeom prst="rect">
+            <a:avLst/>
+          </a:prstGeom>
+        </p:spPr>
+      </p:pic>
+      <p:sp>
+        <p:nvSpPr>
+          <p:cNvPr id="108" name="TextBox 107">
+            <a:extLst>
+              <a:ext uri="{FF2B5EF4-FFF2-40B4-BE49-F238E27FC236}">
+                <a16:creationId xmlns:a16="http://schemas.microsoft.com/office/drawing/2014/main" id="{226C2846-F97F-4F8A-B8A1-32ED945FFC9C}"/>
+              </a:ext>
+            </a:extLst>
+          </p:cNvPr>
+          <p:cNvSpPr txBox="1"/>
+          <p:nvPr/>
+        </p:nvSpPr>
+        <p:spPr>
+          <a:xfrm>
+            <a:off x="1866900" y="6118353"/>
+            <a:ext cx="3111500" cy="369332"/>
+          </a:xfrm>
+          <a:prstGeom prst="rect">
+            <a:avLst/>
+          </a:prstGeom>
+          <a:noFill/>
+        </p:spPr>
+        <p:txBody>
+          <a:bodyPr wrap="square">
+            <a:spAutoFit/>
+          </a:bodyPr>
+          <a:lstStyle/>
+          <a:p>
+            <a:r>
+              <a:rPr lang="en-US" altLang="ko-KR" b="0" i="0" dirty="0" err="1">
+                <a:solidFill>
+                  <a:srgbClr val="9CDCFE"/>
+                </a:solidFill>
+                <a:effectLst/>
+                <a:latin typeface="Menlo"/>
+              </a:rPr>
+              <a:t>mdiGlassMugVariant</a:t>
+            </a:r>
+            <a:r>
+              <a:rPr lang="en-US" altLang="ko-KR" b="0" i="0" dirty="0">
+                <a:solidFill>
+                  <a:srgbClr val="FFFFFF"/>
+                </a:solidFill>
+                <a:effectLst/>
+                <a:latin typeface="Menlo"/>
+              </a:rPr>
+              <a:t>  </a:t>
+            </a:r>
+            <a:endParaRPr lang="ko-KR" altLang="en-US" dirty="0"/>
+          </a:p>
+        </p:txBody>
+      </p:sp>
+    </p:spTree>
+    <p:extLst>
+      <p:ext uri="{BB962C8B-B14F-4D97-AF65-F5344CB8AC3E}">
+        <p14:creationId xmlns:p14="http://schemas.microsoft.com/office/powerpoint/2010/main" val="3990535407"/>
+      </p:ext>
+    </p:extLst>
+  </p:cSld>
+  <p:clrMapOvr>
+    <a:masterClrMapping/>
+  </p:clrMapOvr>
+</p:sld>
+</file>
+
+<file path=ppt/slides/slide15.xml><?xml version="1.0" encoding="utf-8"?>
+<p:sld xmlns:a="http://schemas.openxmlformats.org/drawingml/2006/main" xmlns:r="http://schemas.openxmlformats.org/officeDocument/2006/relationships" xmlns:p="http://schemas.openxmlformats.org/presentationml/2006/main">
+  <p:cSld>
+    <p:spTree>
+      <p:nvGrpSpPr>
+        <p:cNvPr id="1" name=""/>
+        <p:cNvGrpSpPr/>
+        <p:nvPr/>
+      </p:nvGrpSpPr>
+      <p:grpSpPr>
+        <a:xfrm>
+          <a:off x="0" y="0"/>
+          <a:ext cx="0" cy="0"/>
+          <a:chOff x="0" y="0"/>
+          <a:chExt cx="0" cy="0"/>
+        </a:xfrm>
+      </p:grpSpPr>
+      <p:sp>
+        <p:nvSpPr>
+          <p:cNvPr id="21" name="제목 1">
+            <a:extLst>
+              <a:ext uri="{FF2B5EF4-FFF2-40B4-BE49-F238E27FC236}">
+                <a16:creationId xmlns:a16="http://schemas.microsoft.com/office/drawing/2014/main" id="{DD895739-44E0-48E2-997E-4A13028D3303}"/>
+              </a:ext>
+            </a:extLst>
+          </p:cNvPr>
+          <p:cNvSpPr txBox="1">
+            <a:spLocks/>
+          </p:cNvSpPr>
+          <p:nvPr/>
+        </p:nvSpPr>
+        <p:spPr>
+          <a:xfrm>
+            <a:off x="0" y="0"/>
+            <a:ext cx="12192000" cy="900111"/>
+          </a:xfrm>
+          <a:prstGeom prst="rect">
+            <a:avLst/>
+          </a:prstGeom>
+          <a:solidFill>
+            <a:schemeClr val="accent1">
+              <a:lumMod val="40000"/>
+              <a:lumOff val="60000"/>
+            </a:schemeClr>
+          </a:solidFill>
+        </p:spPr>
+        <p:txBody>
+          <a:bodyPr vert="horz" lIns="91440" tIns="45720" rIns="91440" bIns="45720" rtlCol="0" anchor="ctr">
+            <a:normAutofit/>
+          </a:bodyPr>
+          <a:lstStyle>
+            <a:lvl1pPr algn="l" defTabSz="914400" rtl="0" eaLnBrk="1" latinLnBrk="1" hangingPunct="1">
+              <a:lnSpc>
+                <a:spcPct val="90000"/>
+              </a:lnSpc>
+              <a:spcBef>
+                <a:spcPct val="0"/>
+              </a:spcBef>
+              <a:buNone/>
+              <a:defRPr sz="4400" kern="1200">
+                <a:solidFill>
+                  <a:schemeClr val="tx1"/>
+                </a:solidFill>
+                <a:latin typeface="+mj-lt"/>
+                <a:ea typeface="+mj-ea"/>
+                <a:cs typeface="+mj-cs"/>
+              </a:defRPr>
+            </a:lvl1pPr>
+          </a:lstStyle>
+          <a:p>
+            <a:r>
+              <a:rPr lang="en-US" altLang="ko-KR" sz="2400" dirty="0"/>
+              <a:t>2. </a:t>
+            </a:r>
+            <a:r>
+              <a:rPr lang="ko-KR" altLang="en-US" sz="2400" dirty="0"/>
+              <a:t>기능 요약</a:t>
+            </a:r>
+            <a:br>
+              <a:rPr lang="en-US" altLang="ko-KR" sz="2400" dirty="0"/>
+            </a:br>
+            <a:r>
+              <a:rPr lang="en-US" altLang="ko-KR" sz="2400" dirty="0"/>
+              <a:t>2-1. </a:t>
+            </a:r>
+            <a:r>
+              <a:rPr lang="ko-KR" altLang="en-US" sz="2400" dirty="0"/>
+              <a:t>아이디어 설계</a:t>
+            </a:r>
+            <a:r>
+              <a:rPr lang="en-US" altLang="ko-KR" sz="2400" dirty="0"/>
+              <a:t>, </a:t>
+            </a:r>
+            <a:r>
+              <a:rPr lang="ko-KR" altLang="en-US" sz="2400" dirty="0"/>
+              <a:t>디자인 구상 </a:t>
+            </a:r>
+            <a:r>
+              <a:rPr lang="en-US" altLang="ko-KR" sz="2400" dirty="0"/>
+              <a:t>(7) – </a:t>
+            </a:r>
+            <a:r>
+              <a:rPr lang="ko-KR" altLang="en-US" sz="2400" dirty="0"/>
+              <a:t>아이콘 구상</a:t>
+            </a:r>
+          </a:p>
+        </p:txBody>
+      </p:sp>
+      <p:sp>
+        <p:nvSpPr>
+          <p:cNvPr id="5" name="TextBox 4">
+            <a:extLst>
+              <a:ext uri="{FF2B5EF4-FFF2-40B4-BE49-F238E27FC236}">
+                <a16:creationId xmlns:a16="http://schemas.microsoft.com/office/drawing/2014/main" id="{10EB7268-EE29-4778-A8A7-BBBB82AF5B43}"/>
+              </a:ext>
+            </a:extLst>
+          </p:cNvPr>
+          <p:cNvSpPr txBox="1"/>
+          <p:nvPr/>
+        </p:nvSpPr>
+        <p:spPr>
+          <a:xfrm>
+            <a:off x="1981200" y="1104900"/>
+            <a:ext cx="2451100" cy="369332"/>
+          </a:xfrm>
+          <a:prstGeom prst="rect">
+            <a:avLst/>
+          </a:prstGeom>
+          <a:noFill/>
+        </p:spPr>
+        <p:txBody>
+          <a:bodyPr wrap="square" rtlCol="0">
+            <a:spAutoFit/>
+          </a:bodyPr>
+          <a:lstStyle/>
+          <a:p>
+            <a:r>
+              <a:rPr lang="en-US" altLang="ko-KR" b="0" i="0" dirty="0" err="1">
+                <a:solidFill>
+                  <a:srgbClr val="9CDCFE"/>
+                </a:solidFill>
+                <a:effectLst/>
+                <a:latin typeface="Menlo"/>
+              </a:rPr>
+              <a:t>mdiContentCut</a:t>
+            </a:r>
+            <a:endParaRPr lang="ko-KR" altLang="en-US" dirty="0"/>
+          </a:p>
+        </p:txBody>
+      </p:sp>
+      <p:sp>
+        <p:nvSpPr>
+          <p:cNvPr id="70" name="TextBox 69">
+            <a:extLst>
+              <a:ext uri="{FF2B5EF4-FFF2-40B4-BE49-F238E27FC236}">
+                <a16:creationId xmlns:a16="http://schemas.microsoft.com/office/drawing/2014/main" id="{725D3D98-45BB-4DA2-AC39-DB16718E3F62}"/>
+              </a:ext>
+            </a:extLst>
+          </p:cNvPr>
+          <p:cNvSpPr txBox="1"/>
+          <p:nvPr/>
+        </p:nvSpPr>
+        <p:spPr>
+          <a:xfrm>
+            <a:off x="1981200" y="1973899"/>
+            <a:ext cx="2451100" cy="369332"/>
+          </a:xfrm>
+          <a:prstGeom prst="rect">
+            <a:avLst/>
+          </a:prstGeom>
+          <a:noFill/>
+        </p:spPr>
+        <p:txBody>
+          <a:bodyPr wrap="square" rtlCol="0">
+            <a:spAutoFit/>
+          </a:bodyPr>
+          <a:lstStyle/>
+          <a:p>
+            <a:r>
+              <a:rPr lang="en-US" altLang="ko-KR" b="0" i="0" dirty="0" err="1">
+                <a:solidFill>
+                  <a:srgbClr val="9CDCFE"/>
+                </a:solidFill>
+                <a:effectLst/>
+                <a:latin typeface="Menlo"/>
+              </a:rPr>
+              <a:t>mdiTheater</a:t>
+            </a:r>
+            <a:r>
+              <a:rPr lang="en-US" altLang="ko-KR" b="0" i="0" dirty="0">
+                <a:solidFill>
+                  <a:srgbClr val="FFFFFF"/>
+                </a:solidFill>
+                <a:effectLst/>
+                <a:latin typeface="Menlo"/>
+              </a:rPr>
+              <a:t> </a:t>
+            </a:r>
+            <a:endParaRPr lang="ko-KR" altLang="en-US" dirty="0"/>
+          </a:p>
+        </p:txBody>
+      </p:sp>
+      <p:sp>
+        <p:nvSpPr>
+          <p:cNvPr id="78" name="TextBox 77">
+            <a:extLst>
+              <a:ext uri="{FF2B5EF4-FFF2-40B4-BE49-F238E27FC236}">
+                <a16:creationId xmlns:a16="http://schemas.microsoft.com/office/drawing/2014/main" id="{96CC2E8E-8062-4550-B7A4-758052209F1C}"/>
+              </a:ext>
+            </a:extLst>
+          </p:cNvPr>
+          <p:cNvSpPr txBox="1"/>
+          <p:nvPr/>
+        </p:nvSpPr>
+        <p:spPr>
+          <a:xfrm>
+            <a:off x="1892960" y="2772961"/>
+            <a:ext cx="1574140" cy="369332"/>
+          </a:xfrm>
+          <a:prstGeom prst="rect">
+            <a:avLst/>
+          </a:prstGeom>
+          <a:noFill/>
+        </p:spPr>
+        <p:txBody>
+          <a:bodyPr wrap="square">
+            <a:spAutoFit/>
+          </a:bodyPr>
+          <a:lstStyle/>
+          <a:p>
+            <a:r>
+              <a:rPr lang="en-US" altLang="ko-KR" b="1" i="0" dirty="0">
+                <a:solidFill>
+                  <a:srgbClr val="FFFFFF"/>
+                </a:solidFill>
+                <a:effectLst/>
+                <a:latin typeface="Menlo"/>
+              </a:rPr>
+              <a:t> </a:t>
+            </a:r>
+            <a:r>
+              <a:rPr lang="en-US" altLang="ko-KR" b="1" i="0" dirty="0" err="1">
+                <a:solidFill>
+                  <a:srgbClr val="9CDCFE"/>
+                </a:solidFill>
+                <a:effectLst/>
+                <a:latin typeface="Menlo"/>
+              </a:rPr>
+              <a:t>mdiMusic</a:t>
+            </a:r>
+            <a:r>
+              <a:rPr lang="en-US" altLang="ko-KR" b="1" i="0" dirty="0">
+                <a:solidFill>
+                  <a:srgbClr val="FFFFFF"/>
+                </a:solidFill>
+                <a:effectLst/>
+                <a:latin typeface="Menlo"/>
+              </a:rPr>
+              <a:t> </a:t>
+            </a:r>
+            <a:endParaRPr lang="ko-KR" altLang="en-US" b="1" dirty="0"/>
+          </a:p>
+        </p:txBody>
+      </p:sp>
+      <p:sp>
+        <p:nvSpPr>
+          <p:cNvPr id="79" name="TextBox 78">
+            <a:extLst>
+              <a:ext uri="{FF2B5EF4-FFF2-40B4-BE49-F238E27FC236}">
+                <a16:creationId xmlns:a16="http://schemas.microsoft.com/office/drawing/2014/main" id="{4B5E2200-395F-4497-95E7-7187D7F035F8}"/>
+              </a:ext>
+            </a:extLst>
+          </p:cNvPr>
+          <p:cNvSpPr txBox="1"/>
+          <p:nvPr/>
+        </p:nvSpPr>
+        <p:spPr>
+          <a:xfrm>
+            <a:off x="1936748" y="3527364"/>
+            <a:ext cx="2038352" cy="369332"/>
+          </a:xfrm>
+          <a:prstGeom prst="rect">
+            <a:avLst/>
+          </a:prstGeom>
+          <a:noFill/>
+        </p:spPr>
+        <p:txBody>
+          <a:bodyPr wrap="square">
+            <a:spAutoFit/>
+          </a:bodyPr>
+          <a:lstStyle/>
+          <a:p>
+            <a:r>
+              <a:rPr lang="en-US" altLang="ko-KR" b="0" i="0" dirty="0" err="1">
+                <a:solidFill>
+                  <a:srgbClr val="9CDCFE"/>
+                </a:solidFill>
+                <a:effectLst/>
+                <a:latin typeface="Menlo"/>
+              </a:rPr>
+              <a:t>mdiLeadPencil</a:t>
+            </a:r>
+            <a:r>
+              <a:rPr lang="en-US" altLang="ko-KR" b="0" i="0" dirty="0">
+                <a:solidFill>
+                  <a:srgbClr val="FFFFFF"/>
+                </a:solidFill>
+                <a:effectLst/>
+                <a:latin typeface="Menlo"/>
+              </a:rPr>
+              <a:t> </a:t>
+            </a:r>
+            <a:endParaRPr lang="ko-KR" altLang="en-US" dirty="0"/>
+          </a:p>
+        </p:txBody>
+      </p:sp>
+      <p:sp>
+        <p:nvSpPr>
+          <p:cNvPr id="80" name="TextBox 79">
+            <a:extLst>
+              <a:ext uri="{FF2B5EF4-FFF2-40B4-BE49-F238E27FC236}">
+                <a16:creationId xmlns:a16="http://schemas.microsoft.com/office/drawing/2014/main" id="{67E4FCFE-D176-4339-9E26-0B25CBDB2641}"/>
+              </a:ext>
+            </a:extLst>
+          </p:cNvPr>
+          <p:cNvSpPr txBox="1"/>
+          <p:nvPr/>
+        </p:nvSpPr>
+        <p:spPr>
+          <a:xfrm>
+            <a:off x="7035800" y="1175324"/>
+            <a:ext cx="6146800" cy="369332"/>
+          </a:xfrm>
+          <a:prstGeom prst="rect">
+            <a:avLst/>
+          </a:prstGeom>
+          <a:noFill/>
+        </p:spPr>
+        <p:txBody>
+          <a:bodyPr wrap="square">
+            <a:spAutoFit/>
+          </a:bodyPr>
+          <a:lstStyle/>
+          <a:p>
+            <a:r>
+              <a:rPr lang="en-US" altLang="ko-KR" b="0" i="0" dirty="0" err="1">
+                <a:solidFill>
+                  <a:srgbClr val="9CDCFE"/>
+                </a:solidFill>
+                <a:effectLst/>
+                <a:latin typeface="Menlo"/>
+              </a:rPr>
+              <a:t>mdiLightningBolt</a:t>
+            </a:r>
+            <a:r>
+              <a:rPr lang="en-US" altLang="ko-KR" b="0" i="0" dirty="0">
+                <a:solidFill>
+                  <a:srgbClr val="FFFFFF"/>
+                </a:solidFill>
+                <a:effectLst/>
+                <a:latin typeface="Menlo"/>
+              </a:rPr>
+              <a:t>  </a:t>
+            </a:r>
+            <a:endParaRPr lang="ko-KR" altLang="en-US" dirty="0"/>
+          </a:p>
+        </p:txBody>
+      </p:sp>
+      <p:sp>
+        <p:nvSpPr>
+          <p:cNvPr id="81" name="TextBox 80">
+            <a:extLst>
+              <a:ext uri="{FF2B5EF4-FFF2-40B4-BE49-F238E27FC236}">
+                <a16:creationId xmlns:a16="http://schemas.microsoft.com/office/drawing/2014/main" id="{D88A0ABC-B866-414B-BFB4-EA6DF1E4260B}"/>
+              </a:ext>
+            </a:extLst>
+          </p:cNvPr>
+          <p:cNvSpPr txBox="1"/>
+          <p:nvPr/>
+        </p:nvSpPr>
+        <p:spPr>
+          <a:xfrm>
+            <a:off x="7035800" y="2070910"/>
+            <a:ext cx="6642100" cy="369332"/>
+          </a:xfrm>
+          <a:prstGeom prst="rect">
+            <a:avLst/>
+          </a:prstGeom>
+          <a:noFill/>
+        </p:spPr>
+        <p:txBody>
+          <a:bodyPr wrap="square">
+            <a:spAutoFit/>
+          </a:bodyPr>
+          <a:lstStyle/>
+          <a:p>
+            <a:r>
+              <a:rPr lang="en-US" altLang="ko-KR" b="0" i="0" dirty="0" err="1">
+                <a:solidFill>
+                  <a:srgbClr val="9CDCFE"/>
+                </a:solidFill>
+                <a:effectLst/>
+                <a:latin typeface="Menlo"/>
+              </a:rPr>
+              <a:t>mdiPin</a:t>
+            </a:r>
+            <a:r>
+              <a:rPr lang="en-US" altLang="ko-KR" b="0" i="0" dirty="0">
+                <a:solidFill>
+                  <a:srgbClr val="FFFFFF"/>
+                </a:solidFill>
+                <a:effectLst/>
+                <a:latin typeface="Menlo"/>
+              </a:rPr>
+              <a:t>  </a:t>
+            </a:r>
+            <a:endParaRPr lang="ko-KR" altLang="en-US" dirty="0"/>
+          </a:p>
+        </p:txBody>
+      </p:sp>
+      <p:sp>
+        <p:nvSpPr>
+          <p:cNvPr id="85" name="TextBox 84">
+            <a:extLst>
+              <a:ext uri="{FF2B5EF4-FFF2-40B4-BE49-F238E27FC236}">
+                <a16:creationId xmlns:a16="http://schemas.microsoft.com/office/drawing/2014/main" id="{4AF4CF36-EAF4-4E59-87F5-C01FE7A99484}"/>
+              </a:ext>
+            </a:extLst>
+          </p:cNvPr>
+          <p:cNvSpPr txBox="1"/>
+          <p:nvPr/>
+        </p:nvSpPr>
+        <p:spPr>
+          <a:xfrm>
+            <a:off x="7035800" y="3137302"/>
+            <a:ext cx="6889750" cy="369332"/>
+          </a:xfrm>
+          <a:prstGeom prst="rect">
+            <a:avLst/>
+          </a:prstGeom>
+          <a:noFill/>
+        </p:spPr>
+        <p:txBody>
+          <a:bodyPr wrap="square">
+            <a:spAutoFit/>
+          </a:bodyPr>
+          <a:lstStyle/>
+          <a:p>
+            <a:r>
+              <a:rPr lang="en-US" altLang="ko-KR" b="0" i="0" dirty="0" err="1">
+                <a:solidFill>
+                  <a:srgbClr val="9CDCFE"/>
+                </a:solidFill>
+                <a:effectLst/>
+                <a:latin typeface="Menlo"/>
+              </a:rPr>
+              <a:t>mdiPinOffOutline</a:t>
+            </a:r>
+            <a:r>
+              <a:rPr lang="en-US" altLang="ko-KR" b="0" i="0" dirty="0">
+                <a:solidFill>
+                  <a:srgbClr val="FFFFFF"/>
+                </a:solidFill>
+                <a:effectLst/>
+                <a:latin typeface="Menlo"/>
+              </a:rPr>
+              <a:t>  </a:t>
+            </a:r>
+            <a:endParaRPr lang="ko-KR" altLang="en-US" dirty="0"/>
+          </a:p>
+        </p:txBody>
+      </p:sp>
+      <p:sp>
+        <p:nvSpPr>
+          <p:cNvPr id="95" name="TextBox 94">
+            <a:extLst>
+              <a:ext uri="{FF2B5EF4-FFF2-40B4-BE49-F238E27FC236}">
+                <a16:creationId xmlns:a16="http://schemas.microsoft.com/office/drawing/2014/main" id="{F3A153E2-C064-4A25-A076-AB1E171E64A5}"/>
+              </a:ext>
+            </a:extLst>
+          </p:cNvPr>
+          <p:cNvSpPr txBox="1"/>
+          <p:nvPr/>
+        </p:nvSpPr>
+        <p:spPr>
+          <a:xfrm>
+            <a:off x="7099300" y="4033729"/>
+            <a:ext cx="7016750" cy="369332"/>
+          </a:xfrm>
+          <a:prstGeom prst="rect">
+            <a:avLst/>
+          </a:prstGeom>
+          <a:noFill/>
+        </p:spPr>
+        <p:txBody>
+          <a:bodyPr wrap="square">
+            <a:spAutoFit/>
+          </a:bodyPr>
+          <a:lstStyle/>
+          <a:p>
+            <a:r>
+              <a:rPr lang="en-US" altLang="ko-KR" b="0" i="0" dirty="0" err="1">
+                <a:solidFill>
+                  <a:srgbClr val="9CDCFE"/>
+                </a:solidFill>
+                <a:effectLst/>
+                <a:latin typeface="Menlo"/>
+              </a:rPr>
+              <a:t>mdiBusStop</a:t>
+            </a:r>
+            <a:r>
+              <a:rPr lang="en-US" altLang="ko-KR" b="0" i="0" dirty="0">
+                <a:solidFill>
+                  <a:srgbClr val="FFFFFF"/>
+                </a:solidFill>
+                <a:effectLst/>
+                <a:latin typeface="Menlo"/>
+              </a:rPr>
+              <a:t>  </a:t>
+            </a:r>
+            <a:endParaRPr lang="ko-KR" altLang="en-US" dirty="0"/>
+          </a:p>
+        </p:txBody>
+      </p:sp>
+      <p:sp>
+        <p:nvSpPr>
+          <p:cNvPr id="96" name="TextBox 95">
+            <a:extLst>
+              <a:ext uri="{FF2B5EF4-FFF2-40B4-BE49-F238E27FC236}">
+                <a16:creationId xmlns:a16="http://schemas.microsoft.com/office/drawing/2014/main" id="{45FB8A8B-9DC9-49AE-B456-CD0D3AA4CD42}"/>
+              </a:ext>
+            </a:extLst>
+          </p:cNvPr>
+          <p:cNvSpPr txBox="1"/>
+          <p:nvPr/>
+        </p:nvSpPr>
+        <p:spPr>
+          <a:xfrm>
+            <a:off x="7271410" y="4939598"/>
+            <a:ext cx="1536700" cy="369332"/>
+          </a:xfrm>
+          <a:prstGeom prst="rect">
+            <a:avLst/>
+          </a:prstGeom>
+          <a:noFill/>
+        </p:spPr>
+        <p:txBody>
+          <a:bodyPr wrap="square">
+            <a:spAutoFit/>
+          </a:bodyPr>
+          <a:lstStyle/>
+          <a:p>
+            <a:r>
+              <a:rPr lang="en-US" altLang="ko-KR" b="0" i="0" dirty="0" err="1">
+                <a:solidFill>
+                  <a:srgbClr val="9CDCFE"/>
+                </a:solidFill>
+                <a:effectLst/>
+                <a:latin typeface="Menlo"/>
+              </a:rPr>
+              <a:t>mdiIceCream</a:t>
+            </a:r>
+            <a:r>
+              <a:rPr lang="en-US" altLang="ko-KR" b="0" i="0" dirty="0">
+                <a:solidFill>
+                  <a:srgbClr val="FFFFFF"/>
+                </a:solidFill>
+                <a:effectLst/>
+                <a:latin typeface="Menlo"/>
+              </a:rPr>
+              <a:t>  </a:t>
+            </a:r>
+            <a:endParaRPr lang="ko-KR" altLang="en-US" dirty="0"/>
+          </a:p>
+        </p:txBody>
+      </p:sp>
+      <p:sp>
+        <p:nvSpPr>
+          <p:cNvPr id="97" name="TextBox 96">
+            <a:extLst>
+              <a:ext uri="{FF2B5EF4-FFF2-40B4-BE49-F238E27FC236}">
+                <a16:creationId xmlns:a16="http://schemas.microsoft.com/office/drawing/2014/main" id="{6B8FF366-C638-4891-9498-B2D67024571B}"/>
+              </a:ext>
+            </a:extLst>
+          </p:cNvPr>
+          <p:cNvSpPr txBox="1"/>
+          <p:nvPr/>
+        </p:nvSpPr>
+        <p:spPr>
+          <a:xfrm>
+            <a:off x="1981200" y="4372412"/>
+            <a:ext cx="2697216" cy="369332"/>
+          </a:xfrm>
+          <a:prstGeom prst="rect">
+            <a:avLst/>
+          </a:prstGeom>
+          <a:noFill/>
+        </p:spPr>
+        <p:txBody>
+          <a:bodyPr wrap="square">
+            <a:spAutoFit/>
+          </a:bodyPr>
+          <a:lstStyle/>
+          <a:p>
+            <a:r>
+              <a:rPr lang="en-US" altLang="ko-KR" b="0" i="0" dirty="0" err="1">
+                <a:solidFill>
+                  <a:srgbClr val="9CDCFE"/>
+                </a:solidFill>
+                <a:effectLst/>
+                <a:latin typeface="Menlo"/>
+              </a:rPr>
+              <a:t>mdiCarHatchback</a:t>
+            </a:r>
+            <a:r>
+              <a:rPr lang="en-US" altLang="ko-KR" b="0" i="0" dirty="0">
+                <a:solidFill>
+                  <a:srgbClr val="FFFFFF"/>
+                </a:solidFill>
+                <a:effectLst/>
+                <a:latin typeface="Menlo"/>
+              </a:rPr>
+              <a:t>  </a:t>
+            </a:r>
+            <a:endParaRPr lang="ko-KR" altLang="en-US" dirty="0"/>
+          </a:p>
+        </p:txBody>
+      </p:sp>
+      <p:sp>
+        <p:nvSpPr>
+          <p:cNvPr id="101" name="TextBox 100">
+            <a:extLst>
+              <a:ext uri="{FF2B5EF4-FFF2-40B4-BE49-F238E27FC236}">
+                <a16:creationId xmlns:a16="http://schemas.microsoft.com/office/drawing/2014/main" id="{CED19B78-64AC-489F-AC63-0EEB6EC568D1}"/>
+              </a:ext>
+            </a:extLst>
+          </p:cNvPr>
+          <p:cNvSpPr txBox="1"/>
+          <p:nvPr/>
+        </p:nvSpPr>
+        <p:spPr>
+          <a:xfrm>
+            <a:off x="7271410" y="5749021"/>
+            <a:ext cx="3548990" cy="369332"/>
+          </a:xfrm>
+          <a:prstGeom prst="rect">
+            <a:avLst/>
+          </a:prstGeom>
+          <a:noFill/>
+        </p:spPr>
+        <p:txBody>
+          <a:bodyPr wrap="square">
+            <a:spAutoFit/>
+          </a:bodyPr>
+          <a:lstStyle/>
+          <a:p>
+            <a:r>
+              <a:rPr lang="en-US" altLang="ko-KR" b="0" i="0" dirty="0" err="1">
+                <a:solidFill>
+                  <a:srgbClr val="9CDCFE"/>
+                </a:solidFill>
+                <a:effectLst/>
+                <a:latin typeface="Menlo"/>
+              </a:rPr>
+              <a:t>mdiClockTimeThreeOutline</a:t>
+            </a:r>
+            <a:r>
+              <a:rPr lang="en-US" altLang="ko-KR" b="0" i="0" dirty="0">
+                <a:solidFill>
+                  <a:srgbClr val="FFFFFF"/>
+                </a:solidFill>
+                <a:effectLst/>
+                <a:latin typeface="Menlo"/>
+              </a:rPr>
+              <a:t>  </a:t>
+            </a:r>
+            <a:endParaRPr lang="ko-KR" altLang="en-US" dirty="0"/>
+          </a:p>
+        </p:txBody>
+      </p:sp>
+      <p:sp>
+        <p:nvSpPr>
+          <p:cNvPr id="105" name="TextBox 104">
+            <a:extLst>
+              <a:ext uri="{FF2B5EF4-FFF2-40B4-BE49-F238E27FC236}">
+                <a16:creationId xmlns:a16="http://schemas.microsoft.com/office/drawing/2014/main" id="{3DF01C57-CA20-4EB9-A39D-B9F66A9E3B3B}"/>
+              </a:ext>
+            </a:extLst>
+          </p:cNvPr>
+          <p:cNvSpPr txBox="1"/>
+          <p:nvPr/>
+        </p:nvSpPr>
+        <p:spPr>
+          <a:xfrm>
+            <a:off x="1866900" y="5295132"/>
+            <a:ext cx="2108200" cy="369332"/>
+          </a:xfrm>
+          <a:prstGeom prst="rect">
+            <a:avLst/>
+          </a:prstGeom>
+          <a:noFill/>
+        </p:spPr>
+        <p:txBody>
+          <a:bodyPr wrap="square">
+            <a:spAutoFit/>
+          </a:bodyPr>
+          <a:lstStyle/>
+          <a:p>
+            <a:r>
+              <a:rPr lang="en-US" altLang="ko-KR" b="0" i="0" dirty="0" err="1">
+                <a:solidFill>
+                  <a:srgbClr val="9CDCFE"/>
+                </a:solidFill>
+                <a:effectLst/>
+                <a:latin typeface="Menlo"/>
+              </a:rPr>
+              <a:t>mdiSubwayVariant</a:t>
+            </a:r>
+            <a:r>
+              <a:rPr lang="en-US" altLang="ko-KR" b="0" i="0" dirty="0">
+                <a:solidFill>
+                  <a:srgbClr val="FFFFFF"/>
+                </a:solidFill>
+                <a:effectLst/>
+                <a:latin typeface="Menlo"/>
+              </a:rPr>
+              <a:t>  </a:t>
+            </a:r>
+            <a:endParaRPr lang="ko-KR" altLang="en-US" dirty="0"/>
+          </a:p>
+        </p:txBody>
+      </p:sp>
+      <p:sp>
+        <p:nvSpPr>
+          <p:cNvPr id="108" name="TextBox 107">
+            <a:extLst>
+              <a:ext uri="{FF2B5EF4-FFF2-40B4-BE49-F238E27FC236}">
+                <a16:creationId xmlns:a16="http://schemas.microsoft.com/office/drawing/2014/main" id="{226C2846-F97F-4F8A-B8A1-32ED945FFC9C}"/>
+              </a:ext>
+            </a:extLst>
+          </p:cNvPr>
+          <p:cNvSpPr txBox="1"/>
+          <p:nvPr/>
+        </p:nvSpPr>
+        <p:spPr>
+          <a:xfrm>
+            <a:off x="1866900" y="6118353"/>
+            <a:ext cx="3111500" cy="369332"/>
+          </a:xfrm>
+          <a:prstGeom prst="rect">
+            <a:avLst/>
+          </a:prstGeom>
+          <a:noFill/>
+        </p:spPr>
+        <p:txBody>
+          <a:bodyPr wrap="square">
+            <a:spAutoFit/>
+          </a:bodyPr>
+          <a:lstStyle/>
+          <a:p>
+            <a:r>
+              <a:rPr lang="en-US" altLang="ko-KR" b="0" i="0" dirty="0" err="1">
+                <a:solidFill>
+                  <a:srgbClr val="9CDCFE"/>
+                </a:solidFill>
+                <a:effectLst/>
+                <a:latin typeface="Menlo"/>
+              </a:rPr>
+              <a:t>mdiCartVariant</a:t>
+            </a:r>
+            <a:r>
+              <a:rPr lang="en-US" altLang="ko-KR" b="0" i="0" dirty="0">
+                <a:solidFill>
+                  <a:srgbClr val="FFFFFF"/>
+                </a:solidFill>
+                <a:effectLst/>
+                <a:latin typeface="Menlo"/>
+              </a:rPr>
+              <a:t>   </a:t>
+            </a:r>
+            <a:endParaRPr lang="ko-KR" altLang="en-US" dirty="0"/>
+          </a:p>
+        </p:txBody>
+      </p:sp>
+      <p:pic>
+        <p:nvPicPr>
+          <p:cNvPr id="3" name="그림 2">
+            <a:extLst>
+              <a:ext uri="{FF2B5EF4-FFF2-40B4-BE49-F238E27FC236}">
+                <a16:creationId xmlns:a16="http://schemas.microsoft.com/office/drawing/2014/main" id="{DC847100-9D95-4E34-9E07-D27C6BAE399D}"/>
+              </a:ext>
+            </a:extLst>
+          </p:cNvPr>
+          <p:cNvPicPr>
+            <a:picLocks noChangeAspect="1"/>
+          </p:cNvPicPr>
+          <p:nvPr/>
+        </p:nvPicPr>
+        <p:blipFill>
+          <a:blip r:embed="rId2"/>
+          <a:stretch>
+            <a:fillRect/>
+          </a:stretch>
+        </p:blipFill>
+        <p:spPr>
+          <a:xfrm>
+            <a:off x="420631" y="1041662"/>
+            <a:ext cx="809738" cy="790685"/>
+          </a:xfrm>
+          <a:prstGeom prst="rect">
+            <a:avLst/>
+          </a:prstGeom>
+        </p:spPr>
+      </p:pic>
+      <p:pic>
+        <p:nvPicPr>
+          <p:cNvPr id="8" name="그림 7">
+            <a:extLst>
+              <a:ext uri="{FF2B5EF4-FFF2-40B4-BE49-F238E27FC236}">
+                <a16:creationId xmlns:a16="http://schemas.microsoft.com/office/drawing/2014/main" id="{0B0857A6-B0B0-47A5-AE86-AF3BD114144B}"/>
+              </a:ext>
+            </a:extLst>
+          </p:cNvPr>
+          <p:cNvPicPr>
+            <a:picLocks noChangeAspect="1"/>
+          </p:cNvPicPr>
+          <p:nvPr/>
+        </p:nvPicPr>
+        <p:blipFill>
+          <a:blip r:embed="rId3"/>
+          <a:stretch>
+            <a:fillRect/>
+          </a:stretch>
+        </p:blipFill>
+        <p:spPr>
+          <a:xfrm>
+            <a:off x="425394" y="1888812"/>
+            <a:ext cx="800212" cy="733527"/>
+          </a:xfrm>
+          <a:prstGeom prst="rect">
+            <a:avLst/>
+          </a:prstGeom>
+        </p:spPr>
+      </p:pic>
+      <p:pic>
+        <p:nvPicPr>
+          <p:cNvPr id="11" name="그림 10">
+            <a:extLst>
+              <a:ext uri="{FF2B5EF4-FFF2-40B4-BE49-F238E27FC236}">
+                <a16:creationId xmlns:a16="http://schemas.microsoft.com/office/drawing/2014/main" id="{2DA79115-0839-4C39-B115-2115FDF4E836}"/>
+              </a:ext>
+            </a:extLst>
+          </p:cNvPr>
+          <p:cNvPicPr>
+            <a:picLocks noChangeAspect="1"/>
+          </p:cNvPicPr>
+          <p:nvPr/>
+        </p:nvPicPr>
+        <p:blipFill>
+          <a:blip r:embed="rId4"/>
+          <a:stretch>
+            <a:fillRect/>
+          </a:stretch>
+        </p:blipFill>
+        <p:spPr>
+          <a:xfrm>
+            <a:off x="420631" y="2612875"/>
+            <a:ext cx="771633" cy="819264"/>
+          </a:xfrm>
+          <a:prstGeom prst="rect">
+            <a:avLst/>
+          </a:prstGeom>
+        </p:spPr>
+      </p:pic>
+      <p:pic>
+        <p:nvPicPr>
+          <p:cNvPr id="14" name="그림 13">
+            <a:extLst>
+              <a:ext uri="{FF2B5EF4-FFF2-40B4-BE49-F238E27FC236}">
+                <a16:creationId xmlns:a16="http://schemas.microsoft.com/office/drawing/2014/main" id="{C499DD42-F701-4190-B160-80714D06B5E7}"/>
+              </a:ext>
+            </a:extLst>
+          </p:cNvPr>
+          <p:cNvPicPr>
+            <a:picLocks noChangeAspect="1"/>
+          </p:cNvPicPr>
+          <p:nvPr/>
+        </p:nvPicPr>
+        <p:blipFill>
+          <a:blip r:embed="rId5"/>
+          <a:stretch>
+            <a:fillRect/>
+          </a:stretch>
+        </p:blipFill>
+        <p:spPr>
+          <a:xfrm>
+            <a:off x="401578" y="3511661"/>
+            <a:ext cx="809738" cy="724001"/>
+          </a:xfrm>
+          <a:prstGeom prst="rect">
+            <a:avLst/>
+          </a:prstGeom>
+        </p:spPr>
+      </p:pic>
+      <p:pic>
+        <p:nvPicPr>
+          <p:cNvPr id="17" name="그림 16">
+            <a:extLst>
+              <a:ext uri="{FF2B5EF4-FFF2-40B4-BE49-F238E27FC236}">
+                <a16:creationId xmlns:a16="http://schemas.microsoft.com/office/drawing/2014/main" id="{99B25795-3216-4FAF-8E39-77881E0721EA}"/>
+              </a:ext>
+            </a:extLst>
+          </p:cNvPr>
+          <p:cNvPicPr>
+            <a:picLocks noChangeAspect="1"/>
+          </p:cNvPicPr>
+          <p:nvPr/>
+        </p:nvPicPr>
+        <p:blipFill>
+          <a:blip r:embed="rId6"/>
+          <a:stretch>
+            <a:fillRect/>
+          </a:stretch>
+        </p:blipFill>
+        <p:spPr>
+          <a:xfrm>
+            <a:off x="401578" y="4299090"/>
+            <a:ext cx="781159" cy="809738"/>
+          </a:xfrm>
+          <a:prstGeom prst="rect">
+            <a:avLst/>
+          </a:prstGeom>
+        </p:spPr>
+      </p:pic>
+      <p:pic>
+        <p:nvPicPr>
+          <p:cNvPr id="20" name="그림 19">
+            <a:extLst>
+              <a:ext uri="{FF2B5EF4-FFF2-40B4-BE49-F238E27FC236}">
+                <a16:creationId xmlns:a16="http://schemas.microsoft.com/office/drawing/2014/main" id="{4463D352-CDD2-48B9-BBD8-898B9470C07B}"/>
+              </a:ext>
+            </a:extLst>
+          </p:cNvPr>
+          <p:cNvPicPr>
+            <a:picLocks noChangeAspect="1"/>
+          </p:cNvPicPr>
+          <p:nvPr/>
+        </p:nvPicPr>
+        <p:blipFill>
+          <a:blip r:embed="rId7"/>
+          <a:stretch>
+            <a:fillRect/>
+          </a:stretch>
+        </p:blipFill>
+        <p:spPr>
+          <a:xfrm>
+            <a:off x="401578" y="5282432"/>
+            <a:ext cx="743054" cy="733527"/>
+          </a:xfrm>
+          <a:prstGeom prst="rect">
+            <a:avLst/>
+          </a:prstGeom>
+        </p:spPr>
+      </p:pic>
+      <p:pic>
+        <p:nvPicPr>
+          <p:cNvPr id="24" name="그림 23">
+            <a:extLst>
+              <a:ext uri="{FF2B5EF4-FFF2-40B4-BE49-F238E27FC236}">
+                <a16:creationId xmlns:a16="http://schemas.microsoft.com/office/drawing/2014/main" id="{A259F2A8-E694-4FBA-B9A4-34D1902C6506}"/>
+              </a:ext>
+            </a:extLst>
+          </p:cNvPr>
+          <p:cNvPicPr>
+            <a:picLocks noChangeAspect="1"/>
+          </p:cNvPicPr>
+          <p:nvPr/>
+        </p:nvPicPr>
+        <p:blipFill>
+          <a:blip r:embed="rId8"/>
+          <a:stretch>
+            <a:fillRect/>
+          </a:stretch>
+        </p:blipFill>
+        <p:spPr>
+          <a:xfrm>
+            <a:off x="444447" y="6104158"/>
+            <a:ext cx="781159" cy="743054"/>
+          </a:xfrm>
+          <a:prstGeom prst="rect">
+            <a:avLst/>
+          </a:prstGeom>
+        </p:spPr>
+      </p:pic>
+      <p:pic>
+        <p:nvPicPr>
+          <p:cNvPr id="27" name="그림 26">
+            <a:extLst>
+              <a:ext uri="{FF2B5EF4-FFF2-40B4-BE49-F238E27FC236}">
+                <a16:creationId xmlns:a16="http://schemas.microsoft.com/office/drawing/2014/main" id="{1E62EE19-0574-420F-AC9B-D9F051F59BA1}"/>
+              </a:ext>
+            </a:extLst>
+          </p:cNvPr>
+          <p:cNvPicPr>
+            <a:picLocks noChangeAspect="1"/>
+          </p:cNvPicPr>
+          <p:nvPr/>
+        </p:nvPicPr>
+        <p:blipFill>
+          <a:blip r:embed="rId9"/>
+          <a:stretch>
+            <a:fillRect/>
+          </a:stretch>
+        </p:blipFill>
+        <p:spPr>
+          <a:xfrm>
+            <a:off x="6096000" y="1032461"/>
+            <a:ext cx="790685" cy="724001"/>
+          </a:xfrm>
+          <a:prstGeom prst="rect">
+            <a:avLst/>
+          </a:prstGeom>
+        </p:spPr>
+      </p:pic>
+      <p:pic>
+        <p:nvPicPr>
+          <p:cNvPr id="30" name="그림 29">
+            <a:extLst>
+              <a:ext uri="{FF2B5EF4-FFF2-40B4-BE49-F238E27FC236}">
+                <a16:creationId xmlns:a16="http://schemas.microsoft.com/office/drawing/2014/main" id="{647F34AB-737F-4ED3-B5A5-8BB42F9D0E78}"/>
+              </a:ext>
+            </a:extLst>
+          </p:cNvPr>
+          <p:cNvPicPr>
+            <a:picLocks noChangeAspect="1"/>
+          </p:cNvPicPr>
+          <p:nvPr/>
+        </p:nvPicPr>
+        <p:blipFill>
+          <a:blip r:embed="rId10"/>
+          <a:stretch>
+            <a:fillRect/>
+          </a:stretch>
+        </p:blipFill>
+        <p:spPr>
+          <a:xfrm>
+            <a:off x="6086473" y="1888812"/>
+            <a:ext cx="800212" cy="847843"/>
+          </a:xfrm>
+          <a:prstGeom prst="rect">
+            <a:avLst/>
+          </a:prstGeom>
+        </p:spPr>
+      </p:pic>
+      <p:pic>
+        <p:nvPicPr>
+          <p:cNvPr id="32" name="그림 31">
+            <a:extLst>
+              <a:ext uri="{FF2B5EF4-FFF2-40B4-BE49-F238E27FC236}">
+                <a16:creationId xmlns:a16="http://schemas.microsoft.com/office/drawing/2014/main" id="{DF0040E1-F5FB-47E1-9C2C-16A3046BA128}"/>
+              </a:ext>
+            </a:extLst>
+          </p:cNvPr>
+          <p:cNvPicPr>
+            <a:picLocks noChangeAspect="1"/>
+          </p:cNvPicPr>
+          <p:nvPr/>
+        </p:nvPicPr>
+        <p:blipFill>
+          <a:blip r:embed="rId11"/>
+          <a:stretch>
+            <a:fillRect/>
+          </a:stretch>
+        </p:blipFill>
+        <p:spPr>
+          <a:xfrm>
+            <a:off x="6072183" y="2955204"/>
+            <a:ext cx="828791" cy="733527"/>
+          </a:xfrm>
+          <a:prstGeom prst="rect">
+            <a:avLst/>
+          </a:prstGeom>
+        </p:spPr>
+      </p:pic>
+      <p:pic>
+        <p:nvPicPr>
+          <p:cNvPr id="34" name="그림 33">
+            <a:extLst>
+              <a:ext uri="{FF2B5EF4-FFF2-40B4-BE49-F238E27FC236}">
+                <a16:creationId xmlns:a16="http://schemas.microsoft.com/office/drawing/2014/main" id="{C7677237-3051-48D4-B166-26168A6A2A52}"/>
+              </a:ext>
+            </a:extLst>
+          </p:cNvPr>
+          <p:cNvPicPr>
+            <a:picLocks noChangeAspect="1"/>
+          </p:cNvPicPr>
+          <p:nvPr/>
+        </p:nvPicPr>
+        <p:blipFill>
+          <a:blip r:embed="rId12"/>
+          <a:stretch>
+            <a:fillRect/>
+          </a:stretch>
+        </p:blipFill>
+        <p:spPr>
+          <a:xfrm>
+            <a:off x="6086473" y="3873661"/>
+            <a:ext cx="752580" cy="743054"/>
+          </a:xfrm>
+          <a:prstGeom prst="rect">
+            <a:avLst/>
+          </a:prstGeom>
+        </p:spPr>
+      </p:pic>
+      <p:pic>
+        <p:nvPicPr>
+          <p:cNvPr id="37" name="그림 36">
+            <a:extLst>
+              <a:ext uri="{FF2B5EF4-FFF2-40B4-BE49-F238E27FC236}">
+                <a16:creationId xmlns:a16="http://schemas.microsoft.com/office/drawing/2014/main" id="{85F0F563-3B02-454A-8EB5-61E3D3C4CE33}"/>
+              </a:ext>
+            </a:extLst>
+          </p:cNvPr>
+          <p:cNvPicPr>
+            <a:picLocks noChangeAspect="1"/>
+          </p:cNvPicPr>
+          <p:nvPr/>
+        </p:nvPicPr>
+        <p:blipFill>
+          <a:blip r:embed="rId13"/>
+          <a:stretch>
+            <a:fillRect/>
+          </a:stretch>
+        </p:blipFill>
+        <p:spPr>
+          <a:xfrm>
+            <a:off x="6100762" y="4766348"/>
+            <a:ext cx="800212" cy="762106"/>
+          </a:xfrm>
+          <a:prstGeom prst="rect">
+            <a:avLst/>
+          </a:prstGeom>
+        </p:spPr>
+      </p:pic>
+      <p:pic>
+        <p:nvPicPr>
+          <p:cNvPr id="39" name="그림 38">
+            <a:extLst>
+              <a:ext uri="{FF2B5EF4-FFF2-40B4-BE49-F238E27FC236}">
+                <a16:creationId xmlns:a16="http://schemas.microsoft.com/office/drawing/2014/main" id="{2A81DC48-9FFC-4B17-8307-B9575D8B6717}"/>
+              </a:ext>
+            </a:extLst>
+          </p:cNvPr>
+          <p:cNvPicPr>
+            <a:picLocks noChangeAspect="1"/>
+          </p:cNvPicPr>
+          <p:nvPr/>
+        </p:nvPicPr>
+        <p:blipFill>
+          <a:blip r:embed="rId14"/>
+          <a:stretch>
+            <a:fillRect/>
+          </a:stretch>
+        </p:blipFill>
+        <p:spPr>
+          <a:xfrm>
+            <a:off x="6105525" y="5634137"/>
+            <a:ext cx="790685" cy="800212"/>
+          </a:xfrm>
+          <a:prstGeom prst="rect">
+            <a:avLst/>
+          </a:prstGeom>
+        </p:spPr>
+      </p:pic>
+    </p:spTree>
+    <p:extLst>
+      <p:ext uri="{BB962C8B-B14F-4D97-AF65-F5344CB8AC3E}">
+        <p14:creationId xmlns:p14="http://schemas.microsoft.com/office/powerpoint/2010/main" val="2796003871"/>
+      </p:ext>
+    </p:extLst>
+  </p:cSld>
+  <p:clrMapOvr>
+    <a:masterClrMapping/>
+  </p:clrMapOvr>
+</p:sld>
+</file>
+
 <file path=ppt/slides/slide2.xml><?xml version="1.0" encoding="utf-8"?>
 <p:sld xmlns:a="http://schemas.openxmlformats.org/drawingml/2006/main" xmlns:r="http://schemas.openxmlformats.org/officeDocument/2006/relationships" xmlns:p="http://schemas.openxmlformats.org/presentationml/2006/main">
   <p:cSld>
